--- a/doc/平台商品.pptx
+++ b/doc/平台商品.pptx
@@ -4070,180 +4070,6 @@
           <a:chExt cx="0" cy="0"/>
         </a:xfrm>
       </p:grpSpPr>
-      <p:sp>
-        <p:nvSpPr>
-          <p:cNvPr id="47" name="矩形: 圆角 46">
-            <a:extLst>
-              <a:ext uri="{FF2B5EF4-FFF2-40B4-BE49-F238E27FC236}">
-                <a16:creationId xmlns:a16="http://schemas.microsoft.com/office/drawing/2014/main" id="{A2832FAA-26D6-45C7-81D2-52D1B13FC30D}"/>
-              </a:ext>
-            </a:extLst>
-          </p:cNvPr>
-          <p:cNvSpPr/>
-          <p:nvPr/>
-        </p:nvSpPr>
-        <p:spPr>
-          <a:xfrm>
-            <a:off x="712379" y="1431104"/>
-            <a:ext cx="2394805" cy="576000"/>
-          </a:xfrm>
-          <a:prstGeom prst="roundRect">
-            <a:avLst/>
-          </a:prstGeom>
-          <a:solidFill>
-            <a:schemeClr val="bg1">
-              <a:lumMod val="95000"/>
-            </a:schemeClr>
-          </a:solidFill>
-          <a:ln>
-            <a:solidFill>
-              <a:schemeClr val="tx1"/>
-            </a:solidFill>
-          </a:ln>
-        </p:spPr>
-        <p:style>
-          <a:lnRef idx="2">
-            <a:schemeClr val="accent1">
-              <a:shade val="50000"/>
-            </a:schemeClr>
-          </a:lnRef>
-          <a:fillRef idx="1">
-            <a:schemeClr val="accent1"/>
-          </a:fillRef>
-          <a:effectRef idx="0">
-            <a:schemeClr val="accent1"/>
-          </a:effectRef>
-          <a:fontRef idx="minor">
-            <a:schemeClr val="lt1"/>
-          </a:fontRef>
-        </p:style>
-        <p:txBody>
-          <a:bodyPr wrap="none" lIns="36000" tIns="36000" rIns="36000" bIns="36000" rtlCol="0" anchor="ctr" anchorCtr="0"/>
-          <a:lstStyle/>
-          <a:p>
-            <a:pPr algn="ctr"/>
-            <a:r>
-              <a:rPr lang="zh-CN" altLang="en-US" sz="1600" b="1">
-                <a:solidFill>
-                  <a:schemeClr val="tx1"/>
-                </a:solidFill>
-                <a:latin typeface="微软雅黑" panose="020B0503020204020204" pitchFamily="34" charset="-122"/>
-                <a:ea typeface="微软雅黑" panose="020B0503020204020204" pitchFamily="34" charset="-122"/>
-              </a:rPr>
-              <a:t>商品类型表</a:t>
-            </a:r>
-            <a:endParaRPr lang="en-US" altLang="zh-CN" sz="1600" b="1">
-              <a:solidFill>
-                <a:schemeClr val="tx1"/>
-              </a:solidFill>
-              <a:latin typeface="微软雅黑" panose="020B0503020204020204" pitchFamily="34" charset="-122"/>
-              <a:ea typeface="微软雅黑" panose="020B0503020204020204" pitchFamily="34" charset="-122"/>
-            </a:endParaRPr>
-          </a:p>
-          <a:p>
-            <a:pPr algn="ctr"/>
-            <a:r>
-              <a:rPr lang="en-US" altLang="zh-CN" sz="1600" b="1">
-                <a:solidFill>
-                  <a:schemeClr val="tx1"/>
-                </a:solidFill>
-                <a:latin typeface="微软雅黑" panose="020B0503020204020204" pitchFamily="34" charset="-122"/>
-                <a:ea typeface="微软雅黑" panose="020B0503020204020204" pitchFamily="34" charset="-122"/>
-              </a:rPr>
-              <a:t>platform_goods_type</a:t>
-            </a:r>
-            <a:endParaRPr lang="zh-CN" altLang="en-US" sz="1600" b="1">
-              <a:solidFill>
-                <a:schemeClr val="tx1"/>
-              </a:solidFill>
-              <a:latin typeface="微软雅黑" panose="020B0503020204020204" pitchFamily="34" charset="-122"/>
-              <a:ea typeface="微软雅黑" panose="020B0503020204020204" pitchFamily="34" charset="-122"/>
-            </a:endParaRPr>
-          </a:p>
-        </p:txBody>
-      </p:sp>
-      <p:sp>
-        <p:nvSpPr>
-          <p:cNvPr id="205" name="矩形: 圆角 204">
-            <a:extLst>
-              <a:ext uri="{FF2B5EF4-FFF2-40B4-BE49-F238E27FC236}">
-                <a16:creationId xmlns:a16="http://schemas.microsoft.com/office/drawing/2014/main" id="{E10F489A-B865-45DA-84D7-EBC57971DD51}"/>
-              </a:ext>
-            </a:extLst>
-          </p:cNvPr>
-          <p:cNvSpPr/>
-          <p:nvPr/>
-        </p:nvSpPr>
-        <p:spPr>
-          <a:xfrm>
-            <a:off x="712380" y="2007104"/>
-            <a:ext cx="2394804" cy="439882"/>
-          </a:xfrm>
-          <a:prstGeom prst="roundRect">
-            <a:avLst>
-              <a:gd name="adj" fmla="val 5494"/>
-            </a:avLst>
-          </a:prstGeom>
-          <a:noFill/>
-          <a:ln>
-            <a:solidFill>
-              <a:schemeClr val="tx2"/>
-            </a:solidFill>
-            <a:prstDash val="dash"/>
-          </a:ln>
-        </p:spPr>
-        <p:style>
-          <a:lnRef idx="2">
-            <a:schemeClr val="accent1">
-              <a:shade val="50000"/>
-            </a:schemeClr>
-          </a:lnRef>
-          <a:fillRef idx="1">
-            <a:schemeClr val="accent1"/>
-          </a:fillRef>
-          <a:effectRef idx="0">
-            <a:schemeClr val="accent1"/>
-          </a:effectRef>
-          <a:fontRef idx="minor">
-            <a:schemeClr val="lt1"/>
-          </a:fontRef>
-        </p:style>
-        <p:txBody>
-          <a:bodyPr rtlCol="0" anchor="b" anchorCtr="0"/>
-          <a:lstStyle/>
-          <a:p>
-            <a:r>
-              <a:rPr lang="en-US" altLang="zh-CN" sz="1200" b="1">
-                <a:solidFill>
-                  <a:schemeClr val="tx1"/>
-                </a:solidFill>
-                <a:latin typeface="微软雅黑" panose="020B0503020204020204" pitchFamily="34" charset="-122"/>
-                <a:ea typeface="微软雅黑" panose="020B0503020204020204" pitchFamily="34" charset="-122"/>
-              </a:rPr>
-              <a:t>id [1~10]</a:t>
-            </a:r>
-          </a:p>
-          <a:p>
-            <a:r>
-              <a:rPr lang="zh-CN" altLang="en-US" sz="1200" b="1">
-                <a:solidFill>
-                  <a:schemeClr val="tx1"/>
-                </a:solidFill>
-                <a:latin typeface="微软雅黑" panose="020B0503020204020204" pitchFamily="34" charset="-122"/>
-                <a:ea typeface="微软雅黑" panose="020B0503020204020204" pitchFamily="34" charset="-122"/>
-              </a:rPr>
-              <a:t>类型名称</a:t>
-            </a:r>
-            <a:endParaRPr lang="en-US" altLang="zh-CN" sz="1200" b="1">
-              <a:solidFill>
-                <a:schemeClr val="tx1"/>
-              </a:solidFill>
-              <a:latin typeface="微软雅黑" panose="020B0503020204020204" pitchFamily="34" charset="-122"/>
-              <a:ea typeface="微软雅黑" panose="020B0503020204020204" pitchFamily="34" charset="-122"/>
-            </a:endParaRPr>
-          </a:p>
-        </p:txBody>
-      </p:sp>
       <p:cxnSp>
         <p:nvCxnSpPr>
           <p:cNvPr id="239" name="直接连接符 238">
@@ -4397,8 +4223,8 @@
         </p:nvSpPr>
         <p:spPr>
           <a:xfrm>
-            <a:off x="712379" y="3447361"/>
-            <a:ext cx="1885631" cy="576000"/>
+            <a:off x="712379" y="1431948"/>
+            <a:ext cx="2590657" cy="576000"/>
           </a:xfrm>
           <a:prstGeom prst="roundRect">
             <a:avLst/>
@@ -4489,8 +4315,8 @@
         </p:nvSpPr>
         <p:spPr>
           <a:xfrm>
-            <a:off x="712380" y="4023361"/>
-            <a:ext cx="1885630" cy="845292"/>
+            <a:off x="712379" y="2007948"/>
+            <a:ext cx="2590657" cy="845292"/>
           </a:xfrm>
           <a:prstGeom prst="roundRect">
             <a:avLst>
@@ -4555,8 +4381,25 @@
                 <a:latin typeface="微软雅黑" panose="020B0503020204020204" pitchFamily="34" charset="-122"/>
                 <a:ea typeface="微软雅黑" panose="020B0503020204020204" pitchFamily="34" charset="-122"/>
               </a:rPr>
-              <a:t>商品类型</a:t>
-            </a:r>
+              <a:t>商品类型 </a:t>
+            </a:r>
+            <a:r>
+              <a:rPr lang="en-US" altLang="zh-CN" sz="1200" b="1">
+                <a:solidFill>
+                  <a:schemeClr val="tx1"/>
+                </a:solidFill>
+                <a:latin typeface="微软雅黑" panose="020B0503020204020204" pitchFamily="34" charset="-122"/>
+                <a:ea typeface="微软雅黑" panose="020B0503020204020204" pitchFamily="34" charset="-122"/>
+              </a:rPr>
+              <a:t>[1~n][aaa,bbb,ccc…]</a:t>
+            </a:r>
+            <a:endParaRPr lang="zh-CN" altLang="en-US" sz="1200" b="1">
+              <a:solidFill>
+                <a:schemeClr val="tx1"/>
+              </a:solidFill>
+              <a:latin typeface="微软雅黑" panose="020B0503020204020204" pitchFamily="34" charset="-122"/>
+              <a:ea typeface="微软雅黑" panose="020B0503020204020204" pitchFamily="34" charset="-122"/>
+            </a:endParaRPr>
           </a:p>
           <a:p>
             <a:r>
